--- a/tutorial36.pptx
+++ b/tutorial36.pptx
@@ -282,7 +282,7 @@
           <a:p>
             <a:fld id="{72EA7947-E287-4738-8C82-07CE4F01EF03}" type="datetime2">
               <a:rPr lang="en-US" smtClean="0"/>
-              <a:t>Saturday, November 14, 2020</a:t>
+              <a:t>Saturday, November 21, 2020</a:t>
             </a:fld>
             <a:endParaRPr lang="en-US" dirty="0"/>
           </a:p>
@@ -1318,7 +1318,7 @@
           <a:p>
             <a:fld id="{EE2EBD84-71F4-4271-8C46-0D47C0A9B12E}" type="datetime2">
               <a:rPr lang="en-US" smtClean="0"/>
-              <a:t>Saturday, November 14, 2020</a:t>
+              <a:t>Saturday, November 21, 2020</a:t>
             </a:fld>
             <a:endParaRPr lang="en-US"/>
           </a:p>
@@ -1529,7 +1529,7 @@
           <a:p>
             <a:fld id="{ABAE0CE1-F450-4107-B2CB-17B18F8A3F4A}" type="datetime2">
               <a:rPr lang="en-US" smtClean="0"/>
-              <a:t>Saturday, November 14, 2020</a:t>
+              <a:t>Saturday, November 21, 2020</a:t>
             </a:fld>
             <a:endParaRPr lang="en-US"/>
           </a:p>
@@ -2194,7 +2194,7 @@
           <a:p>
             <a:fld id="{6FE8C025-CD7A-4966-867E-81CF82B15267}" type="datetime2">
               <a:rPr lang="en-US" smtClean="0"/>
-              <a:t>Saturday, November 14, 2020</a:t>
+              <a:t>Saturday, November 21, 2020</a:t>
             </a:fld>
             <a:endParaRPr lang="en-US"/>
           </a:p>
@@ -2814,7 +2814,7 @@
           <a:p>
             <a:fld id="{FE809929-0719-4517-94D6-FDF7F99E70F6}" type="datetime2">
               <a:rPr lang="en-US" smtClean="0"/>
-              <a:t>Saturday, November 14, 2020</a:t>
+              <a:t>Saturday, November 21, 2020</a:t>
             </a:fld>
             <a:endParaRPr lang="en-US"/>
           </a:p>
@@ -3932,7 +3932,7 @@
           <a:p>
             <a:fld id="{20E95673-5512-4AAA-9AEB-E00C61EC65D5}" type="datetime2">
               <a:rPr lang="en-US" smtClean="0"/>
-              <a:t>Saturday, November 14, 2020</a:t>
+              <a:t>Saturday, November 21, 2020</a:t>
             </a:fld>
             <a:endParaRPr lang="en-US"/>
           </a:p>
@@ -4479,7 +4479,7 @@
           <a:p>
             <a:fld id="{C13138FA-2E87-4873-8BBA-13E447C9A99A}" type="datetime2">
               <a:rPr lang="en-US" smtClean="0"/>
-              <a:t>Saturday, November 14, 2020</a:t>
+              <a:t>Saturday, November 21, 2020</a:t>
             </a:fld>
             <a:endParaRPr lang="en-US"/>
           </a:p>
@@ -4640,7 +4640,7 @@
           <a:p>
             <a:fld id="{D75BB40A-97BD-4BFB-B639-0BFF95FDE8B7}" type="datetime2">
               <a:rPr lang="en-US" smtClean="0"/>
-              <a:t>Saturday, November 14, 2020</a:t>
+              <a:t>Saturday, November 21, 2020</a:t>
             </a:fld>
             <a:endParaRPr lang="en-US"/>
           </a:p>
@@ -5675,7 +5675,7 @@
           <a:p>
             <a:fld id="{9EE9E0E3-ECF6-4CFE-8698-AEFEBCECC3C0}" type="datetime2">
               <a:rPr lang="en-US" smtClean="0"/>
-              <a:t>Saturday, November 14, 2020</a:t>
+              <a:t>Saturday, November 21, 2020</a:t>
             </a:fld>
             <a:endParaRPr lang="en-US"/>
           </a:p>
@@ -6321,7 +6321,7 @@
           <a:p>
             <a:fld id="{251462FC-960E-4740-921F-B36862979F21}" type="datetime2">
               <a:rPr lang="en-US" smtClean="0"/>
-              <a:t>Saturday, November 14, 2020</a:t>
+              <a:t>Saturday, November 21, 2020</a:t>
             </a:fld>
             <a:endParaRPr lang="en-US"/>
           </a:p>
@@ -7085,7 +7085,7 @@
           <a:p>
             <a:fld id="{E50BC9E2-CB44-4C05-9BB5-496C18A241E0}" type="datetime2">
               <a:rPr lang="en-US" smtClean="0"/>
-              <a:t>Saturday, November 14, 2020</a:t>
+              <a:t>Saturday, November 21, 2020</a:t>
             </a:fld>
             <a:endParaRPr lang="en-US"/>
           </a:p>
@@ -7338,7 +7338,7 @@
           <a:p>
             <a:fld id="{246CB39B-5F4C-4A7E-9BE3-AAFD45576D16}" type="datetime2">
               <a:rPr lang="en-US" smtClean="0"/>
-              <a:t>Saturday, November 14, 2020</a:t>
+              <a:t>Saturday, November 21, 2020</a:t>
             </a:fld>
             <a:endParaRPr lang="en-US" dirty="0"/>
           </a:p>
@@ -8045,7 +8045,7 @@
             </a:br>
             <a:r>
               <a:rPr lang="en-DE" sz="3000" dirty="0"/>
-              <a:t>How To Delete All Key Pairs For AWS Ec2 Instance Using Boto3 Python</a:t>
+              <a:t>How To Launch AWS Ec2 Instance From Csv Input Using Boto3 Python</a:t>
             </a:r>
             <a:br>
               <a:rPr lang="en-DE" sz="3000" dirty="0"/>
@@ -8055,7 +8055,7 @@
             </a:br>
             <a:r>
               <a:rPr lang="en-DE" sz="3000" dirty="0"/>
-              <a:t>Tutorial :36</a:t>
+              <a:t>Tutorial :37</a:t>
             </a:r>
           </a:p>
         </p:txBody>
@@ -8582,56 +8582,45 @@
           <a:p>
             <a:r>
               <a:rPr lang="en-US" dirty="0"/>
-              <a:t>What is key pair</a:t>
+              <a:t>Input file structure</a:t>
             </a:r>
             <a:endParaRPr lang="en-DE" dirty="0"/>
           </a:p>
         </p:txBody>
       </p:sp>
-      <p:sp>
-        <p:nvSpPr>
-          <p:cNvPr id="3" name="Content Placeholder 2">
-            <a:extLst>
-              <a:ext uri="{FF2B5EF4-FFF2-40B4-BE49-F238E27FC236}">
-                <a16:creationId xmlns:a16="http://schemas.microsoft.com/office/drawing/2014/main" id="{7165136E-19E4-C84B-8A8D-C3EB388125B1}"/>
-              </a:ext>
-            </a:extLst>
-          </p:cNvPr>
-          <p:cNvSpPr>
-            <a:spLocks noGrp="1"/>
-          </p:cNvSpPr>
+      <p:pic>
+        <p:nvPicPr>
+          <p:cNvPr id="5" name="Content Placeholder 4" descr="Graphical user interface, text&#10;&#10;Description automatically generated">
+            <a:extLst>
+              <a:ext uri="{FF2B5EF4-FFF2-40B4-BE49-F238E27FC236}">
+                <a16:creationId xmlns:a16="http://schemas.microsoft.com/office/drawing/2014/main" id="{71A650AA-E9A6-7543-9BF8-812F4B176C42}"/>
+              </a:ext>
+            </a:extLst>
+          </p:cNvPr>
+          <p:cNvPicPr>
+            <a:picLocks noGrp="1" noChangeAspect="1"/>
+          </p:cNvPicPr>
           <p:nvPr>
             <p:ph idx="1"/>
           </p:nvPr>
-        </p:nvSpPr>
-        <p:spPr/>
-        <p:txBody>
-          <a:bodyPr/>
-          <a:lstStyle/>
-          <a:p>
-            <a:r>
-              <a:rPr lang="en-GB" dirty="0"/>
-              <a:t>A key pair, consisting of a private key and a public key, is a set of security credentials that you use to prove your identity when connecting to an instance. Amazon EC2 stores the public key, and you store the private key. You use the private key, instead of a password, to securely access your instances. Anyone who possesses your private keys can connect to your instances, so it's important that you store your private keys in a secure place.</a:t>
-            </a:r>
-          </a:p>
-          <a:p>
-            <a:r>
-              <a:rPr lang="en-GB" dirty="0">
-                <a:hlinkClick r:id="rId2"/>
-              </a:rPr>
-              <a:t>https://docs.aws.amazon.com/AWSEC2/latest/UserGuide/ec2-key-pairs.html</a:t>
-            </a:r>
-            <a:endParaRPr lang="en-GB" dirty="0"/>
-          </a:p>
-          <a:p>
-            <a:endParaRPr lang="en-DE" dirty="0"/>
-          </a:p>
-        </p:txBody>
-      </p:sp>
+        </p:nvPicPr>
+        <p:blipFill>
+          <a:blip r:embed="rId2"/>
+          <a:stretch>
+            <a:fillRect/>
+          </a:stretch>
+        </p:blipFill>
+        <p:spPr>
+          <a:xfrm>
+            <a:off x="584200" y="2534444"/>
+            <a:ext cx="11023600" cy="3136900"/>
+          </a:xfrm>
+        </p:spPr>
+      </p:pic>
     </p:spTree>
     <p:extLst>
       <p:ext uri="{BB962C8B-B14F-4D97-AF65-F5344CB8AC3E}">
-        <p14:creationId xmlns:p14="http://schemas.microsoft.com/office/powerpoint/2010/main" val="1205854007"/>
+        <p14:creationId xmlns:p14="http://schemas.microsoft.com/office/powerpoint/2010/main" val="1283030078"/>
       </p:ext>
     </p:extLst>
   </p:cSld>
@@ -9583,7 +9572,7 @@
           <a:p>
             <a:r>
               <a:rPr lang="en-DE" sz="2800" dirty="0"/>
-              <a:t>How To Delete All Key Pair For AWS Ec2 Instance </a:t>
+              <a:t>How To launch aws ec2 insatance from csv input using boto3 python</a:t>
             </a:r>
             <a:br>
               <a:rPr lang="en-US" sz="2600" dirty="0"/>
@@ -9735,35 +9724,31 @@
           </a:p>
         </p:txBody>
       </p:sp>
-      <p:pic>
-        <p:nvPicPr>
-          <p:cNvPr id="6" name="Content Placeholder 5" descr="Graphical user interface, text, application, email&#10;&#10;Description automatically generated">
-            <a:extLst>
-              <a:ext uri="{FF2B5EF4-FFF2-40B4-BE49-F238E27FC236}">
-                <a16:creationId xmlns:a16="http://schemas.microsoft.com/office/drawing/2014/main" id="{91F191F5-8BF7-5649-9389-B13E636F43D0}"/>
-              </a:ext>
-            </a:extLst>
-          </p:cNvPr>
-          <p:cNvPicPr>
-            <a:picLocks noGrp="1" noChangeAspect="1"/>
-          </p:cNvPicPr>
+      <p:sp>
+        <p:nvSpPr>
+          <p:cNvPr id="3" name="Content Placeholder 2">
+            <a:extLst>
+              <a:ext uri="{FF2B5EF4-FFF2-40B4-BE49-F238E27FC236}">
+                <a16:creationId xmlns:a16="http://schemas.microsoft.com/office/drawing/2014/main" id="{B4C33F67-96DE-0D4B-9102-267EA8BB290B}"/>
+              </a:ext>
+            </a:extLst>
+          </p:cNvPr>
+          <p:cNvSpPr>
+            <a:spLocks noGrp="1"/>
+          </p:cNvSpPr>
           <p:nvPr>
             <p:ph idx="1"/>
           </p:nvPr>
-        </p:nvPicPr>
-        <p:blipFill>
-          <a:blip r:embed="rId2"/>
-          <a:stretch>
-            <a:fillRect/>
-          </a:stretch>
-        </p:blipFill>
-        <p:spPr>
-          <a:xfrm>
-            <a:off x="550863" y="2703707"/>
-            <a:ext cx="11090275" cy="2798373"/>
-          </a:xfrm>
-        </p:spPr>
-      </p:pic>
+        </p:nvSpPr>
+        <p:spPr/>
+        <p:txBody>
+          <a:bodyPr/>
+          <a:lstStyle/>
+          <a:p>
+            <a:endParaRPr lang="en-DE" dirty="0"/>
+          </a:p>
+        </p:txBody>
+      </p:sp>
     </p:spTree>
     <p:extLst>
       <p:ext uri="{BB962C8B-B14F-4D97-AF65-F5344CB8AC3E}">
